--- a/FrontEnd/Week1/Week 1.pptx
+++ b/FrontEnd/Week1/Week 1.pptx
@@ -17,13 +17,16 @@
     <p:sldId id="264" r:id="rId11"/>
     <p:sldId id="265" r:id="rId12"/>
     <p:sldId id="266" r:id="rId13"/>
-    <p:sldId id="267" r:id="rId14"/>
-    <p:sldId id="268" r:id="rId15"/>
-    <p:sldId id="269" r:id="rId16"/>
-    <p:sldId id="270" r:id="rId17"/>
-    <p:sldId id="271" r:id="rId18"/>
-    <p:sldId id="272" r:id="rId19"/>
-    <p:sldId id="273" r:id="rId20"/>
+    <p:sldId id="275" r:id="rId14"/>
+    <p:sldId id="267" r:id="rId15"/>
+    <p:sldId id="276" r:id="rId16"/>
+    <p:sldId id="277" r:id="rId17"/>
+    <p:sldId id="268" r:id="rId18"/>
+    <p:sldId id="269" r:id="rId19"/>
+    <p:sldId id="270" r:id="rId20"/>
+    <p:sldId id="271" r:id="rId21"/>
+    <p:sldId id="272" r:id="rId22"/>
+    <p:sldId id="273" r:id="rId23"/>
   </p:sldIdLst>
   <p:sldSz cx="12192000" cy="6858000"/>
   <p:notesSz cx="6858000" cy="9144000"/>
@@ -261,7 +264,7 @@
           <a:p>
             <a:fld id="{F28A4246-F2A7-4220-A405-8A96DAE08D6A}" type="datetimeFigureOut">
               <a:rPr lang="en-US" smtClean="0"/>
-              <a:t>1/6/2026</a:t>
+              <a:t>1/8/2026</a:t>
             </a:fld>
             <a:endParaRPr lang="en-US"/>
           </a:p>
@@ -431,7 +434,7 @@
           <a:p>
             <a:fld id="{F28A4246-F2A7-4220-A405-8A96DAE08D6A}" type="datetimeFigureOut">
               <a:rPr lang="en-US" smtClean="0"/>
-              <a:t>1/6/2026</a:t>
+              <a:t>1/8/2026</a:t>
             </a:fld>
             <a:endParaRPr lang="en-US"/>
           </a:p>
@@ -611,7 +614,7 @@
           <a:p>
             <a:fld id="{F28A4246-F2A7-4220-A405-8A96DAE08D6A}" type="datetimeFigureOut">
               <a:rPr lang="en-US" smtClean="0"/>
-              <a:t>1/6/2026</a:t>
+              <a:t>1/8/2026</a:t>
             </a:fld>
             <a:endParaRPr lang="en-US"/>
           </a:p>
@@ -781,7 +784,7 @@
           <a:p>
             <a:fld id="{F28A4246-F2A7-4220-A405-8A96DAE08D6A}" type="datetimeFigureOut">
               <a:rPr lang="en-US" smtClean="0"/>
-              <a:t>1/6/2026</a:t>
+              <a:t>1/8/2026</a:t>
             </a:fld>
             <a:endParaRPr lang="en-US"/>
           </a:p>
@@ -1027,7 +1030,7 @@
           <a:p>
             <a:fld id="{F28A4246-F2A7-4220-A405-8A96DAE08D6A}" type="datetimeFigureOut">
               <a:rPr lang="en-US" smtClean="0"/>
-              <a:t>1/6/2026</a:t>
+              <a:t>1/8/2026</a:t>
             </a:fld>
             <a:endParaRPr lang="en-US"/>
           </a:p>
@@ -1259,7 +1262,7 @@
           <a:p>
             <a:fld id="{F28A4246-F2A7-4220-A405-8A96DAE08D6A}" type="datetimeFigureOut">
               <a:rPr lang="en-US" smtClean="0"/>
-              <a:t>1/6/2026</a:t>
+              <a:t>1/8/2026</a:t>
             </a:fld>
             <a:endParaRPr lang="en-US"/>
           </a:p>
@@ -1626,7 +1629,7 @@
           <a:p>
             <a:fld id="{F28A4246-F2A7-4220-A405-8A96DAE08D6A}" type="datetimeFigureOut">
               <a:rPr lang="en-US" smtClean="0"/>
-              <a:t>1/6/2026</a:t>
+              <a:t>1/8/2026</a:t>
             </a:fld>
             <a:endParaRPr lang="en-US"/>
           </a:p>
@@ -1744,7 +1747,7 @@
           <a:p>
             <a:fld id="{F28A4246-F2A7-4220-A405-8A96DAE08D6A}" type="datetimeFigureOut">
               <a:rPr lang="en-US" smtClean="0"/>
-              <a:t>1/6/2026</a:t>
+              <a:t>1/8/2026</a:t>
             </a:fld>
             <a:endParaRPr lang="en-US"/>
           </a:p>
@@ -1839,7 +1842,7 @@
           <a:p>
             <a:fld id="{F28A4246-F2A7-4220-A405-8A96DAE08D6A}" type="datetimeFigureOut">
               <a:rPr lang="en-US" smtClean="0"/>
-              <a:t>1/6/2026</a:t>
+              <a:t>1/8/2026</a:t>
             </a:fld>
             <a:endParaRPr lang="en-US"/>
           </a:p>
@@ -2116,7 +2119,7 @@
           <a:p>
             <a:fld id="{F28A4246-F2A7-4220-A405-8A96DAE08D6A}" type="datetimeFigureOut">
               <a:rPr lang="en-US" smtClean="0"/>
-              <a:t>1/6/2026</a:t>
+              <a:t>1/8/2026</a:t>
             </a:fld>
             <a:endParaRPr lang="en-US"/>
           </a:p>
@@ -2373,7 +2376,7 @@
           <a:p>
             <a:fld id="{F28A4246-F2A7-4220-A405-8A96DAE08D6A}" type="datetimeFigureOut">
               <a:rPr lang="en-US" smtClean="0"/>
-              <a:t>1/6/2026</a:t>
+              <a:t>1/8/2026</a:t>
             </a:fld>
             <a:endParaRPr lang="en-US"/>
           </a:p>
@@ -2586,7 +2589,7 @@
           <a:p>
             <a:fld id="{F28A4246-F2A7-4220-A405-8A96DAE08D6A}" type="datetimeFigureOut">
               <a:rPr lang="en-US" smtClean="0"/>
-              <a:t>1/6/2026</a:t>
+              <a:t>1/8/2026</a:t>
             </a:fld>
             <a:endParaRPr lang="en-US"/>
           </a:p>
@@ -3199,14 +3202,19 @@
             <p:ph type="title"/>
           </p:nvPr>
         </p:nvSpPr>
-        <p:spPr/>
-        <p:txBody>
-          <a:bodyPr/>
-          <a:lstStyle/>
-          <a:p>
-            <a:r>
-              <a:rPr lang="en-US" dirty="0"/>
-              <a:t>URL parts:</a:t>
+        <p:spPr>
+          <a:xfrm>
+            <a:off x="838199" y="365125"/>
+            <a:ext cx="11103429" cy="1325563"/>
+          </a:xfrm>
+        </p:spPr>
+        <p:txBody>
+          <a:bodyPr/>
+          <a:lstStyle/>
+          <a:p>
+            <a:r>
+              <a:rPr lang="en-US" dirty="0"/>
+              <a:t>URL parts: (Uniform Resource Locator)(Universal Resource Locator)</a:t>
             </a:r>
           </a:p>
         </p:txBody>
@@ -3286,7 +3294,19 @@
           <a:p>
             <a:r>
               <a:rPr lang="en-US" dirty="0"/>
-              <a:t>origin: Combining protocol, domain, port... GIVES US origin...Origin plays a central role in the web's security model...</a:t>
+              <a:t>origin: Combining protocol, domain, port... GIVES US </a:t>
+            </a:r>
+            <a:r>
+              <a:rPr lang="en-US" dirty="0">
+                <a:solidFill>
+                  <a:srgbClr val="FFFF00"/>
+                </a:solidFill>
+              </a:rPr>
+              <a:t>origin</a:t>
+            </a:r>
+            <a:r>
+              <a:rPr lang="en-US" dirty="0"/>
+              <a:t>...Origin plays a central role in the web's security model...</a:t>
             </a:r>
           </a:p>
           <a:p>
@@ -3371,7 +3391,7 @@
         <p:spPr/>
         <p:txBody>
           <a:bodyPr>
-            <a:normAutofit fontScale="92500" lnSpcReduction="20000"/>
+            <a:normAutofit fontScale="85000" lnSpcReduction="20000"/>
           </a:bodyPr>
           <a:lstStyle/>
           <a:p>
@@ -3395,7 +3415,13 @@
           <a:p>
             <a:r>
               <a:rPr lang="en-US" dirty="0"/>
-              <a:t>        404 . Error -resource not found</a:t>
+              <a:t>        404 . Error -resource not found    </a:t>
+            </a:r>
+          </a:p>
+          <a:p>
+            <a:r>
+              <a:rPr lang="en-US" dirty="0"/>
+              <a:t>        500. Server errors</a:t>
             </a:r>
           </a:p>
           <a:p>
@@ -3483,7 +3509,7 @@
           <p:cNvPr id="2" name="Title 1">
             <a:extLst>
               <a:ext uri="{FF2B5EF4-FFF2-40B4-BE49-F238E27FC236}">
-                <a16:creationId xmlns:a16="http://schemas.microsoft.com/office/drawing/2014/main" id="{3FF5616E-540A-335E-8251-A6010E8862F2}"/>
+                <a16:creationId xmlns:a16="http://schemas.microsoft.com/office/drawing/2014/main" id="{1F09CF38-571D-86E8-7ADE-3B6A57F09728}"/>
               </a:ext>
             </a:extLst>
           </p:cNvPr>
@@ -3501,7 +3527,7 @@
           <a:p>
             <a:r>
               <a:rPr lang="en-US" dirty="0"/>
-              <a:t>HTML …</a:t>
+              <a:t>HTML</a:t>
             </a:r>
           </a:p>
         </p:txBody>
@@ -3511,7 +3537,7 @@
           <p:cNvPr id="3" name="Content Placeholder 2">
             <a:extLst>
               <a:ext uri="{FF2B5EF4-FFF2-40B4-BE49-F238E27FC236}">
-                <a16:creationId xmlns:a16="http://schemas.microsoft.com/office/drawing/2014/main" id="{0D168463-C4DF-4E26-02D2-F580B838F992}"/>
+                <a16:creationId xmlns:a16="http://schemas.microsoft.com/office/drawing/2014/main" id="{C7BAD4B1-482C-320F-BA32-D5662E375A43}"/>
               </a:ext>
             </a:extLst>
           </p:cNvPr>
@@ -3529,33 +3555,54 @@
           <a:p>
             <a:r>
               <a:rPr lang="en-US" dirty="0"/>
-              <a:t>Tag:  &lt;something&gt;</a:t>
-            </a:r>
-          </a:p>
-          <a:p>
-            <a:r>
-              <a:rPr lang="en-US" dirty="0"/>
-              <a:t>Elements: &lt;title&gt;Something&lt;/title&gt; The starting tag, content and ending tag…[If any element does not have any content, we make it and </a:t>
-            </a:r>
-            <a:r>
-              <a:rPr lang="en-US" dirty="0">
-                <a:solidFill>
-                  <a:srgbClr val="FFFF00"/>
-                </a:solidFill>
-              </a:rPr>
-              <a:t>empty element  &lt;meta/&gt;</a:t>
-            </a:r>
-          </a:p>
-          <a:p>
-            <a:r>
-              <a:rPr lang="en-US" dirty="0"/>
-              <a:t>Attributes: That give extra functionality to the tag/element</a:t>
-            </a:r>
-          </a:p>
-          <a:p>
-            <a:r>
-              <a:rPr lang="en-US" dirty="0"/>
-              <a:t>Entity: &amp; ;… we write something in between and it renders the special character…</a:t>
+              <a:t>Hyper Text Markup Language</a:t>
+            </a:r>
+          </a:p>
+          <a:p>
+            <a:pPr lvl="1"/>
+            <a:r>
+              <a:rPr lang="en-US" dirty="0"/>
+              <a:t>Hypertext refers to “linked text” – a text which when clicked will take us to somewhere else!</a:t>
+            </a:r>
+          </a:p>
+          <a:p>
+            <a:pPr lvl="1"/>
+            <a:endParaRPr lang="en-US" dirty="0"/>
+          </a:p>
+          <a:p>
+            <a:r>
+              <a:rPr lang="en-US" dirty="0"/>
+              <a:t>Markup: </a:t>
+            </a:r>
+          </a:p>
+          <a:p>
+            <a:pPr lvl="1"/>
+            <a:r>
+              <a:rPr lang="en-US" dirty="0"/>
+              <a:t>Defining rules for some particular areas!  &lt;title&gt; This is a title&lt;/title&gt;</a:t>
+            </a:r>
+          </a:p>
+          <a:p>
+            <a:pPr lvl="1"/>
+            <a:r>
+              <a:rPr lang="en-US" dirty="0"/>
+              <a:t>&lt;strong&gt; This will be bold/ strong text&lt;/strong&gt;</a:t>
+            </a:r>
+          </a:p>
+          <a:p>
+            <a:pPr lvl="1"/>
+            <a:r>
+              <a:rPr lang="en-US" dirty="0"/>
+              <a:t>&lt;blue&gt; Keyin College&lt;/blue&gt;  NO TAG IN HTML…</a:t>
+            </a:r>
+          </a:p>
+          <a:p>
+            <a:endParaRPr lang="en-US" dirty="0"/>
+          </a:p>
+          <a:p>
+            <a:r>
+              <a:rPr lang="en-US" dirty="0"/>
+              <a:t>Language: It’s a language! Interpreted language (Self study)</a:t>
             </a:r>
           </a:p>
           <a:p>
@@ -3566,7 +3613,7 @@
     </p:spTree>
     <p:extLst>
       <p:ext uri="{BB962C8B-B14F-4D97-AF65-F5344CB8AC3E}">
-        <p14:creationId xmlns:p14="http://schemas.microsoft.com/office/powerpoint/2010/main" val="1526374108"/>
+        <p14:creationId xmlns:p14="http://schemas.microsoft.com/office/powerpoint/2010/main" val="3749939718"/>
       </p:ext>
     </p:extLst>
   </p:cSld>
@@ -3598,7 +3645,7 @@
           <p:cNvPr id="2" name="Title 1">
             <a:extLst>
               <a:ext uri="{FF2B5EF4-FFF2-40B4-BE49-F238E27FC236}">
-                <a16:creationId xmlns:a16="http://schemas.microsoft.com/office/drawing/2014/main" id="{2EA1BF42-2DDD-E38F-F1F8-68EC301ED54D}"/>
+                <a16:creationId xmlns:a16="http://schemas.microsoft.com/office/drawing/2014/main" id="{3FF5616E-540A-335E-8251-A6010E8862F2}"/>
               </a:ext>
             </a:extLst>
           </p:cNvPr>
@@ -3616,7 +3663,7 @@
           <a:p>
             <a:r>
               <a:rPr lang="en-US" dirty="0"/>
-              <a:t>Metadata!</a:t>
+              <a:t>HTML …</a:t>
             </a:r>
           </a:p>
         </p:txBody>
@@ -3626,7 +3673,7 @@
           <p:cNvPr id="3" name="Content Placeholder 2">
             <a:extLst>
               <a:ext uri="{FF2B5EF4-FFF2-40B4-BE49-F238E27FC236}">
-                <a16:creationId xmlns:a16="http://schemas.microsoft.com/office/drawing/2014/main" id="{C9207EE6-811E-3DCF-B1CA-EB4A4B69732A}"/>
+                <a16:creationId xmlns:a16="http://schemas.microsoft.com/office/drawing/2014/main" id="{0D168463-C4DF-4E26-02D2-F580B838F992}"/>
               </a:ext>
             </a:extLst>
           </p:cNvPr>
@@ -3642,38 +3689,55 @@
           <a:bodyPr/>
           <a:lstStyle/>
           <a:p>
-            <a:pPr marL="0" indent="0">
-              <a:buNone/>
-            </a:pPr>
-            <a:r>
-              <a:rPr lang="en-US" dirty="0"/>
-              <a:t>&lt;link&gt;… links from this document to external resources such as CSS style sheets…</a:t>
-            </a:r>
-          </a:p>
-          <a:p>
-            <a:pPr marL="0" indent="0">
-              <a:buNone/>
-            </a:pPr>
-            <a:r>
-              <a:rPr lang="en-US" dirty="0"/>
-              <a:t>&lt;meta&gt; - metadata that can’t be included via other elements..</a:t>
-            </a:r>
-          </a:p>
-          <a:p>
-            <a:pPr marL="0" indent="0">
-              <a:buNone/>
-            </a:pPr>
-            <a:r>
-              <a:rPr lang="en-US" dirty="0"/>
-              <a:t>&lt;title&gt; - the document’s title</a:t>
-            </a:r>
+            <a:r>
+              <a:rPr lang="en-US" dirty="0"/>
+              <a:t>Tag:  &lt;something&gt;</a:t>
+            </a:r>
+          </a:p>
+          <a:p>
+            <a:r>
+              <a:rPr lang="en-US" dirty="0"/>
+              <a:t>Elements: &lt;title&gt;Something&lt;/title&gt; The starting tag, content and ending tag…</a:t>
+            </a:r>
+          </a:p>
+          <a:p>
+            <a:endParaRPr lang="en-US" dirty="0"/>
+          </a:p>
+          <a:p>
+            <a:r>
+              <a:rPr lang="en-US" dirty="0"/>
+              <a:t>[If any element does not have any content, we make it and </a:t>
+            </a:r>
+            <a:r>
+              <a:rPr lang="en-US" dirty="0">
+                <a:solidFill>
+                  <a:srgbClr val="FFFF00"/>
+                </a:solidFill>
+              </a:rPr>
+              <a:t>empty element  &lt;meta/&gt;</a:t>
+            </a:r>
+          </a:p>
+          <a:p>
+            <a:r>
+              <a:rPr lang="en-US" dirty="0"/>
+              <a:t>Attributes: That give extra functionality to the tag/element</a:t>
+            </a:r>
+          </a:p>
+          <a:p>
+            <a:r>
+              <a:rPr lang="en-US" dirty="0"/>
+              <a:t>Entity: &amp; ;… we write something in between and it renders the special character…</a:t>
+            </a:r>
+          </a:p>
+          <a:p>
+            <a:endParaRPr lang="en-US" dirty="0"/>
           </a:p>
         </p:txBody>
       </p:sp>
     </p:spTree>
     <p:extLst>
       <p:ext uri="{BB962C8B-B14F-4D97-AF65-F5344CB8AC3E}">
-        <p14:creationId xmlns:p14="http://schemas.microsoft.com/office/powerpoint/2010/main" val="3947425811"/>
+        <p14:creationId xmlns:p14="http://schemas.microsoft.com/office/powerpoint/2010/main" val="1526374108"/>
       </p:ext>
     </p:extLst>
   </p:cSld>
@@ -3705,7 +3769,7 @@
           <p:cNvPr id="2" name="Title 1">
             <a:extLst>
               <a:ext uri="{FF2B5EF4-FFF2-40B4-BE49-F238E27FC236}">
-                <a16:creationId xmlns:a16="http://schemas.microsoft.com/office/drawing/2014/main" id="{5669451F-6512-128F-9B0A-0AA755ACBE5D}"/>
+                <a16:creationId xmlns:a16="http://schemas.microsoft.com/office/drawing/2014/main" id="{0B5A6C6C-095E-A0A7-CB6A-F990195CD42C}"/>
               </a:ext>
             </a:extLst>
           </p:cNvPr>
@@ -3723,7 +3787,7 @@
           <a:p>
             <a:r>
               <a:rPr lang="en-US" dirty="0"/>
-              <a:t>Major document sections</a:t>
+              <a:t>Notes from lecture – January 12</a:t>
             </a:r>
           </a:p>
         </p:txBody>
@@ -3733,7 +3797,7 @@
           <p:cNvPr id="3" name="Content Placeholder 2">
             <a:extLst>
               <a:ext uri="{FF2B5EF4-FFF2-40B4-BE49-F238E27FC236}">
-                <a16:creationId xmlns:a16="http://schemas.microsoft.com/office/drawing/2014/main" id="{FD2E14C1-39B6-C63F-D2A6-37EAAC82E036}"/>
+                <a16:creationId xmlns:a16="http://schemas.microsoft.com/office/drawing/2014/main" id="{4E6B1DF9-EEE7-55B8-C8B7-E436A1027F2E}"/>
               </a:ext>
             </a:extLst>
           </p:cNvPr>
@@ -3746,8 +3810,16 @@
         </p:nvSpPr>
         <p:spPr/>
         <p:txBody>
-          <a:bodyPr/>
-          <a:lstStyle/>
+          <a:bodyPr>
+            <a:normAutofit lnSpcReduction="10000"/>
+          </a:bodyPr>
+          <a:lstStyle/>
+          <a:p>
+            <a:r>
+              <a:rPr lang="en-US" dirty="0"/>
+              <a:t>&lt;!-- &lt;b&gt; Tag...   </a:t>
+            </a:r>
+          </a:p>
           <a:p>
             <a:r>
               <a:rPr lang="en-US" dirty="0"/>
@@ -3757,47 +3829,51 @@
           <a:p>
             <a:r>
               <a:rPr lang="en-US" dirty="0"/>
-              <a:t>&lt;head&gt; &lt;title&gt;&lt;/title&gt;</a:t>
-            </a:r>
-          </a:p>
-          <a:p>
-            <a:r>
-              <a:rPr lang="en-US" dirty="0"/>
-              <a:t>&lt;body&gt;</a:t>
-            </a:r>
-          </a:p>
-          <a:p>
-            <a:endParaRPr lang="en-US" dirty="0"/>
-          </a:p>
-          <a:p>
-            <a:endParaRPr lang="en-US" dirty="0"/>
-          </a:p>
-          <a:p>
-            <a:r>
-              <a:rPr lang="en-US" dirty="0">
-                <a:solidFill>
-                  <a:srgbClr val="FFFF00"/>
-                </a:solidFill>
-              </a:rPr>
-              <a:t>ALWAYS VALIDATE YOUR ASSIGNMENT BEFORE SUBMITTING…</a:t>
-            </a:r>
-          </a:p>
-          <a:p>
-            <a:r>
-              <a:rPr lang="en-US" dirty="0">
-                <a:solidFill>
-                  <a:srgbClr val="FFFF00"/>
-                </a:solidFill>
-              </a:rPr>
-              <a:t>NO RED ELEMENT/ATTRIBUTE IN YOUR ASSIGNMENT…</a:t>
-            </a:r>
+              <a:t>&lt;body&gt; --&gt;</a:t>
+            </a:r>
+          </a:p>
+          <a:p>
+            <a:r>
+              <a:rPr lang="en-US" dirty="0"/>
+              <a:t>&lt;!-- Elements --&gt;</a:t>
+            </a:r>
+          </a:p>
+          <a:p>
+            <a:r>
+              <a:rPr lang="en-US" dirty="0"/>
+              <a:t>&lt;!-- &lt;title&gt;Something in between&lt;/title&gt;</a:t>
+            </a:r>
+          </a:p>
+          <a:p>
+            <a:r>
+              <a:rPr lang="en-US" dirty="0"/>
+              <a:t>&lt;h1&gt;Hello I am an H1&lt;/h1&gt; --&gt;</a:t>
+            </a:r>
+          </a:p>
+          <a:p>
+            <a:endParaRPr lang="en-US" dirty="0"/>
+          </a:p>
+          <a:p>
+            <a:r>
+              <a:rPr lang="en-US" dirty="0"/>
+              <a:t>If something starts with &lt;! &gt;.. It is NOT AN ELEMENT IN HTML..</a:t>
+            </a:r>
+          </a:p>
+          <a:p>
+            <a:r>
+              <a:rPr lang="en-US" dirty="0"/>
+              <a:t>It is actually a declaration! </a:t>
+            </a:r>
+          </a:p>
+          <a:p>
+            <a:endParaRPr lang="en-US" dirty="0"/>
           </a:p>
         </p:txBody>
       </p:sp>
     </p:spTree>
     <p:extLst>
       <p:ext uri="{BB962C8B-B14F-4D97-AF65-F5344CB8AC3E}">
-        <p14:creationId xmlns:p14="http://schemas.microsoft.com/office/powerpoint/2010/main" val="3033708408"/>
+        <p14:creationId xmlns:p14="http://schemas.microsoft.com/office/powerpoint/2010/main" val="1954030699"/>
       </p:ext>
     </p:extLst>
   </p:cSld>
@@ -3826,10 +3902,10 @@
       </p:grpSpPr>
       <p:sp>
         <p:nvSpPr>
-          <p:cNvPr id="2" name="Title 1">
+          <p:cNvPr id="3" name="Content Placeholder 2">
             <a:extLst>
               <a:ext uri="{FF2B5EF4-FFF2-40B4-BE49-F238E27FC236}">
-                <a16:creationId xmlns:a16="http://schemas.microsoft.com/office/drawing/2014/main" id="{475250C9-84EB-1F2A-61F2-381B50203B99}"/>
+                <a16:creationId xmlns:a16="http://schemas.microsoft.com/office/drawing/2014/main" id="{BFFDCA41-FB7C-A84D-38E7-4FCAC86941E0}"/>
               </a:ext>
             </a:extLst>
           </p:cNvPr>
@@ -3837,116 +3913,238 @@
             <a:spLocks noGrp="1"/>
           </p:cNvSpPr>
           <p:nvPr>
-            <p:ph type="title"/>
-          </p:nvPr>
-        </p:nvSpPr>
-        <p:spPr/>
-        <p:txBody>
-          <a:bodyPr/>
-          <a:lstStyle/>
-          <a:p>
-            <a:r>
-              <a:rPr lang="en-US" dirty="0"/>
-              <a:t>Content Sections – </a:t>
-            </a:r>
-            <a:r>
-              <a:rPr lang="en-US" dirty="0">
-                <a:solidFill>
-                  <a:srgbClr val="FFFF00"/>
-                </a:solidFill>
-              </a:rPr>
-              <a:t>ALWAYS INSIDE &lt;body&gt;</a:t>
-            </a:r>
+            <p:ph idx="1"/>
+          </p:nvPr>
+        </p:nvSpPr>
+        <p:spPr>
+          <a:xfrm>
+            <a:off x="838200" y="250370"/>
+            <a:ext cx="10515600" cy="6226629"/>
+          </a:xfrm>
+        </p:spPr>
+        <p:txBody>
+          <a:bodyPr>
+            <a:normAutofit fontScale="25000" lnSpcReduction="20000"/>
+          </a:bodyPr>
+          <a:lstStyle/>
+          <a:p>
+            <a:r>
+              <a:rPr lang="en-US" dirty="0"/>
+              <a:t>&lt;!DOCTYPE html&gt;</a:t>
+            </a:r>
+          </a:p>
+          <a:p>
+            <a:r>
+              <a:rPr lang="en-US" dirty="0"/>
+              <a:t>&lt;html lang="</a:t>
+            </a:r>
+            <a:r>
+              <a:rPr lang="en-US" dirty="0" err="1"/>
+              <a:t>en</a:t>
+            </a:r>
+            <a:r>
+              <a:rPr lang="en-US" dirty="0"/>
+              <a:t>"&gt;</a:t>
+            </a:r>
+          </a:p>
+          <a:p>
+            <a:r>
+              <a:rPr lang="en-US" dirty="0"/>
+              <a:t>  &lt;head&gt;</a:t>
+            </a:r>
+          </a:p>
+          <a:p>
+            <a:r>
+              <a:rPr lang="en-US" dirty="0"/>
+              <a:t>    &lt;meta /&gt;</a:t>
+            </a:r>
+          </a:p>
+          <a:p>
+            <a:r>
+              <a:rPr lang="en-US" dirty="0"/>
+              <a:t>    &lt;meta /&gt;</a:t>
+            </a:r>
+          </a:p>
+          <a:p>
+            <a:r>
+              <a:rPr lang="en-US" dirty="0"/>
+              <a:t>    &lt;title&gt;Document&lt;/title&gt;</a:t>
+            </a:r>
+          </a:p>
+          <a:p>
+            <a:r>
+              <a:rPr lang="en-US" dirty="0"/>
+              <a:t>  &lt;/head&gt;</a:t>
+            </a:r>
+          </a:p>
+          <a:p>
+            <a:r>
+              <a:rPr lang="en-US" dirty="0"/>
+              <a:t>  &lt;body&gt;</a:t>
+            </a:r>
+          </a:p>
+          <a:p>
+            <a:r>
+              <a:rPr lang="en-US" dirty="0"/>
+              <a:t>    &lt;ul id="list"&gt;</a:t>
+            </a:r>
+          </a:p>
+          <a:p>
+            <a:r>
+              <a:rPr lang="en-US" dirty="0"/>
+              <a:t>      &lt;li class="demo"&gt;A&lt;/li&gt;</a:t>
+            </a:r>
+          </a:p>
+          <a:p>
+            <a:r>
+              <a:rPr lang="en-US" dirty="0"/>
+              <a:t>      &lt;li&gt;B&lt;/li&gt;</a:t>
+            </a:r>
+          </a:p>
+          <a:p>
+            <a:r>
+              <a:rPr lang="en-US" dirty="0"/>
+              <a:t>      &lt;li&gt;C&lt;/li&gt;</a:t>
+            </a:r>
+          </a:p>
+          <a:p>
+            <a:r>
+              <a:rPr lang="en-US" dirty="0"/>
+              <a:t>      &lt;li&gt;D&lt;/li&gt;</a:t>
+            </a:r>
+          </a:p>
+          <a:p>
+            <a:r>
+              <a:rPr lang="en-US" dirty="0"/>
+              <a:t>    &lt;/ul&gt;</a:t>
+            </a:r>
+          </a:p>
+          <a:p>
+            <a:r>
+              <a:rPr lang="en-US" dirty="0"/>
+              <a:t>    &lt;</a:t>
+            </a:r>
+            <a:r>
+              <a:rPr lang="en-US" dirty="0" err="1"/>
+              <a:t>br</a:t>
+            </a:r>
+            <a:r>
+              <a:rPr lang="en-US" dirty="0"/>
+              <a:t> /&gt;</a:t>
+            </a:r>
+          </a:p>
+          <a:p>
+            <a:r>
+              <a:rPr lang="en-US" dirty="0"/>
+              <a:t>    &lt;</a:t>
+            </a:r>
+            <a:r>
+              <a:rPr lang="en-US" dirty="0" err="1"/>
+              <a:t>hr</a:t>
+            </a:r>
+            <a:r>
+              <a:rPr lang="en-US" dirty="0"/>
+              <a:t> /&gt;</a:t>
+            </a:r>
+          </a:p>
+          <a:p>
+            <a:r>
+              <a:rPr lang="en-US" dirty="0"/>
+              <a:t>  &lt;/body&gt;</a:t>
+            </a:r>
+          </a:p>
+          <a:p>
+            <a:r>
+              <a:rPr lang="en-US" dirty="0"/>
+              <a:t>&lt;/html&gt;</a:t>
+            </a:r>
+          </a:p>
+          <a:p>
             <a:br>
-              <a:rPr lang="en-US" dirty="0">
-                <a:solidFill>
-                  <a:srgbClr val="FFFF00"/>
-                </a:solidFill>
-              </a:rPr>
+              <a:rPr lang="en-US" dirty="0"/>
             </a:br>
-            <a:r>
-              <a:rPr lang="en-US" dirty="0">
-                <a:solidFill>
-                  <a:srgbClr val="FFFF00"/>
-                </a:solidFill>
-              </a:rPr>
-              <a:t>Semantic Elements</a:t>
-            </a:r>
-          </a:p>
-        </p:txBody>
-      </p:sp>
-      <p:sp>
-        <p:nvSpPr>
-          <p:cNvPr id="3" name="Content Placeholder 2">
-            <a:extLst>
-              <a:ext uri="{FF2B5EF4-FFF2-40B4-BE49-F238E27FC236}">
-                <a16:creationId xmlns:a16="http://schemas.microsoft.com/office/drawing/2014/main" id="{853BC910-92EE-2EAB-745E-9168A06FFE34}"/>
-              </a:ext>
-            </a:extLst>
-          </p:cNvPr>
-          <p:cNvSpPr>
-            <a:spLocks noGrp="1"/>
-          </p:cNvSpPr>
-          <p:nvPr>
-            <p:ph idx="1"/>
-          </p:nvPr>
-        </p:nvSpPr>
-        <p:spPr/>
-        <p:txBody>
-          <a:bodyPr/>
-          <a:lstStyle/>
-          <a:p>
-            <a:r>
-              <a:rPr lang="en-US" dirty="0"/>
-              <a:t>&lt;header&gt; - introductory material at the top of the document.</a:t>
-            </a:r>
-          </a:p>
-          <a:p>
-            <a:r>
-              <a:rPr lang="en-US" dirty="0"/>
-              <a:t>&lt;nav&gt; - content related to </a:t>
+            <a:endParaRPr lang="en-US" dirty="0"/>
+          </a:p>
+          <a:p>
+            <a:r>
+              <a:rPr lang="en-US" dirty="0"/>
+              <a:t>&lt;!-- &lt;html&gt; is 1st element</a:t>
+            </a:r>
+          </a:p>
+          <a:p>
+            <a:r>
+              <a:rPr lang="en-US" dirty="0"/>
+              <a:t>    &lt;head&gt; is 2nd element</a:t>
+            </a:r>
+          </a:p>
+          <a:p>
+            <a:r>
+              <a:rPr lang="en-US" dirty="0"/>
+              <a:t>    &lt;body&gt; is the 3rd element (temporarily the &lt;body&gt; was also empty element)</a:t>
+            </a:r>
+          </a:p>
+          <a:p>
+            <a:r>
+              <a:rPr lang="en-US" dirty="0"/>
+              <a:t>    &lt;title&gt; is the 4th element</a:t>
+            </a:r>
+          </a:p>
+          <a:p>
+            <a:r>
+              <a:rPr lang="en-US" dirty="0"/>
+              <a:t>    &lt;meta/&gt; is the 5th element( meta is an empty element)</a:t>
+            </a:r>
+          </a:p>
+          <a:p>
+            <a:br>
+              <a:rPr lang="en-US" dirty="0"/>
+            </a:br>
+            <a:br>
+              <a:rPr lang="en-US" dirty="0"/>
+            </a:br>
+            <a:endParaRPr lang="en-US" dirty="0"/>
+          </a:p>
+          <a:p>
+            <a:r>
+              <a:rPr lang="en-US" dirty="0"/>
+              <a:t>    EMPTY ELEMENTS - where there is no content with the </a:t>
             </a:r>
             <a:r>
               <a:rPr lang="en-US" dirty="0" err="1"/>
-              <a:t>navigation..menu</a:t>
-            </a:r>
-            <a:r>
-              <a:rPr lang="en-US" dirty="0"/>
-              <a:t>, index, links, etc.</a:t>
-            </a:r>
-          </a:p>
-          <a:p>
-            <a:r>
-              <a:rPr lang="en-US" dirty="0"/>
-              <a:t>&lt;main&gt; - the main content of the document.. For example, the main article text that you want to convey…</a:t>
-            </a:r>
-          </a:p>
-          <a:p>
-            <a:r>
-              <a:rPr lang="en-US" dirty="0"/>
-              <a:t>&lt;h1&gt;,… &lt;/h6&gt; Headers of the content sections</a:t>
-            </a:r>
-          </a:p>
-          <a:p>
-            <a:r>
-              <a:rPr lang="en-US" dirty="0"/>
-              <a:t>&lt;footer&gt;… end material….(author, copyright </a:t>
-            </a:r>
-            <a:r>
-              <a:rPr lang="en-US" dirty="0" err="1"/>
-              <a:t>etc</a:t>
-            </a:r>
-            <a:r>
-              <a:rPr lang="en-US" dirty="0"/>
-              <a:t>)</a:t>
-            </a:r>
+              <a:t>elment</a:t>
+            </a:r>
+            <a:r>
+              <a:rPr lang="en-US" dirty="0"/>
+              <a:t>, it is called "empty element"</a:t>
+            </a:r>
+          </a:p>
+          <a:p>
+            <a:r>
+              <a:rPr lang="en-US" dirty="0"/>
+              <a:t>            </a:t>
+            </a:r>
+          </a:p>
+          <a:p>
+            <a:br>
+              <a:rPr lang="en-US" dirty="0"/>
+            </a:br>
+            <a:endParaRPr lang="en-US" dirty="0"/>
+          </a:p>
+          <a:p>
+            <a:r>
+              <a:rPr lang="en-US" dirty="0"/>
+              <a:t>--&gt;</a:t>
+            </a:r>
+          </a:p>
+          <a:p>
+            <a:endParaRPr lang="en-US" dirty="0"/>
           </a:p>
         </p:txBody>
       </p:sp>
     </p:spTree>
     <p:extLst>
       <p:ext uri="{BB962C8B-B14F-4D97-AF65-F5344CB8AC3E}">
-        <p14:creationId xmlns:p14="http://schemas.microsoft.com/office/powerpoint/2010/main" val="2348583534"/>
+        <p14:creationId xmlns:p14="http://schemas.microsoft.com/office/powerpoint/2010/main" val="3649760499"/>
       </p:ext>
     </p:extLst>
   </p:cSld>
@@ -3978,7 +4176,7 @@
           <p:cNvPr id="2" name="Title 1">
             <a:extLst>
               <a:ext uri="{FF2B5EF4-FFF2-40B4-BE49-F238E27FC236}">
-                <a16:creationId xmlns:a16="http://schemas.microsoft.com/office/drawing/2014/main" id="{52889EA0-60FB-22A5-8D53-5F77B1716188}"/>
+                <a16:creationId xmlns:a16="http://schemas.microsoft.com/office/drawing/2014/main" id="{2EA1BF42-2DDD-E38F-F1F8-68EC301ED54D}"/>
               </a:ext>
             </a:extLst>
           </p:cNvPr>
@@ -3996,7 +4194,7 @@
           <a:p>
             <a:r>
               <a:rPr lang="en-US" dirty="0"/>
-              <a:t>Text content</a:t>
+              <a:t>Metadata!</a:t>
             </a:r>
           </a:p>
         </p:txBody>
@@ -4006,7 +4204,7 @@
           <p:cNvPr id="3" name="Content Placeholder 2">
             <a:extLst>
               <a:ext uri="{FF2B5EF4-FFF2-40B4-BE49-F238E27FC236}">
-                <a16:creationId xmlns:a16="http://schemas.microsoft.com/office/drawing/2014/main" id="{DFB1A687-BB88-919A-0985-1D38762E743B}"/>
+                <a16:creationId xmlns:a16="http://schemas.microsoft.com/office/drawing/2014/main" id="{C9207EE6-811E-3DCF-B1CA-EB4A4B69732A}"/>
               </a:ext>
             </a:extLst>
           </p:cNvPr>
@@ -4022,55 +4220,30 @@
           <a:bodyPr/>
           <a:lstStyle/>
           <a:p>
-            <a:r>
-              <a:rPr lang="en-US" dirty="0"/>
-              <a:t>&lt;div&gt;.. A generic container we use to attach style or script…</a:t>
-            </a:r>
-          </a:p>
-          <a:p>
-            <a:r>
-              <a:rPr lang="en-US" dirty="0"/>
-              <a:t>&lt;</a:t>
-            </a:r>
-            <a:r>
-              <a:rPr lang="en-US" dirty="0" err="1"/>
-              <a:t>ol</a:t>
-            </a:r>
-            <a:r>
-              <a:rPr lang="en-US" dirty="0"/>
-              <a:t>&gt;.. Ordered list</a:t>
-            </a:r>
-          </a:p>
-          <a:p>
-            <a:r>
-              <a:rPr lang="en-US" dirty="0"/>
-              <a:t>&lt;</a:t>
-            </a:r>
-            <a:r>
-              <a:rPr lang="en-US" dirty="0" err="1"/>
-              <a:t>ul</a:t>
-            </a:r>
-            <a:r>
-              <a:rPr lang="en-US" dirty="0"/>
-              <a:t>&gt;.. Unordered list</a:t>
-            </a:r>
-          </a:p>
-          <a:p>
-            <a:r>
-              <a:rPr lang="en-US" dirty="0"/>
-              <a:t>&lt;li&gt;… List item</a:t>
-            </a:r>
-          </a:p>
-          <a:p>
-            <a:r>
-              <a:rPr lang="en-US" dirty="0"/>
-              <a:t>&lt;p&gt;… a paragraph</a:t>
-            </a:r>
-          </a:p>
-          <a:p>
-            <a:r>
-              <a:rPr lang="en-US" dirty="0"/>
-              <a:t>&lt;blockquote&gt;</a:t>
+            <a:pPr marL="0" indent="0">
+              <a:buNone/>
+            </a:pPr>
+            <a:r>
+              <a:rPr lang="en-US" dirty="0"/>
+              <a:t>&lt;link&gt;… links from this document to external resources such as CSS style sheets…</a:t>
+            </a:r>
+          </a:p>
+          <a:p>
+            <a:pPr marL="0" indent="0">
+              <a:buNone/>
+            </a:pPr>
+            <a:r>
+              <a:rPr lang="en-US" dirty="0"/>
+              <a:t>&lt;meta&gt; - metadata that can’t be included via other elements..</a:t>
+            </a:r>
+          </a:p>
+          <a:p>
+            <a:pPr marL="0" indent="0">
+              <a:buNone/>
+            </a:pPr>
+            <a:r>
+              <a:rPr lang="en-US" dirty="0"/>
+              <a:t>&lt;title&gt; - the document’s title</a:t>
             </a:r>
           </a:p>
         </p:txBody>
@@ -4078,7 +4251,7 @@
     </p:spTree>
     <p:extLst>
       <p:ext uri="{BB962C8B-B14F-4D97-AF65-F5344CB8AC3E}">
-        <p14:creationId xmlns:p14="http://schemas.microsoft.com/office/powerpoint/2010/main" val="2103399808"/>
+        <p14:creationId xmlns:p14="http://schemas.microsoft.com/office/powerpoint/2010/main" val="3947425811"/>
       </p:ext>
     </p:extLst>
   </p:cSld>
@@ -4110,7 +4283,7 @@
           <p:cNvPr id="2" name="Title 1">
             <a:extLst>
               <a:ext uri="{FF2B5EF4-FFF2-40B4-BE49-F238E27FC236}">
-                <a16:creationId xmlns:a16="http://schemas.microsoft.com/office/drawing/2014/main" id="{9ADF8013-9734-499A-E6A8-BA4F465896EA}"/>
+                <a16:creationId xmlns:a16="http://schemas.microsoft.com/office/drawing/2014/main" id="{5669451F-6512-128F-9B0A-0AA755ACBE5D}"/>
               </a:ext>
             </a:extLst>
           </p:cNvPr>
@@ -4128,7 +4301,7 @@
           <a:p>
             <a:r>
               <a:rPr lang="en-US" dirty="0"/>
-              <a:t>Inline Text:</a:t>
+              <a:t>Major document sections</a:t>
             </a:r>
           </a:p>
         </p:txBody>
@@ -4138,7 +4311,7 @@
           <p:cNvPr id="3" name="Content Placeholder 2">
             <a:extLst>
               <a:ext uri="{FF2B5EF4-FFF2-40B4-BE49-F238E27FC236}">
-                <a16:creationId xmlns:a16="http://schemas.microsoft.com/office/drawing/2014/main" id="{640BD225-66E7-F68A-099C-215CFDFA4D7B}"/>
+                <a16:creationId xmlns:a16="http://schemas.microsoft.com/office/drawing/2014/main" id="{FD2E14C1-39B6-C63F-D2A6-37EAAC82E036}"/>
               </a:ext>
             </a:extLst>
           </p:cNvPr>
@@ -4156,55 +4329,93 @@
           <a:p>
             <a:r>
               <a:rPr lang="en-US" dirty="0"/>
-              <a:t>&lt;a&gt;.. Anchor is used to make links… allows user to navigate…</a:t>
-            </a:r>
-          </a:p>
-          <a:p>
-            <a:r>
-              <a:rPr lang="en-US" dirty="0"/>
-              <a:t>&lt;code&gt;… formats the text as computer code…</a:t>
-            </a:r>
-          </a:p>
-          <a:p>
-            <a:r>
-              <a:rPr lang="en-US" dirty="0"/>
-              <a:t>&lt;</a:t>
-            </a:r>
-            <a:r>
-              <a:rPr lang="en-US" dirty="0" err="1"/>
-              <a:t>em</a:t>
-            </a:r>
-            <a:r>
-              <a:rPr lang="en-US" dirty="0"/>
-              <a:t>&gt; - adds emphasis…(like italic)</a:t>
-            </a:r>
-          </a:p>
-          <a:p>
-            <a:r>
-              <a:rPr lang="en-US" dirty="0"/>
-              <a:t>&lt;span&gt; generic containers</a:t>
-            </a:r>
-          </a:p>
-          <a:p>
-            <a:endParaRPr lang="en-US" dirty="0"/>
-          </a:p>
-          <a:p>
-            <a:r>
-              <a:rPr lang="en-US" dirty="0"/>
-              <a:t>Inline and Block </a:t>
-            </a:r>
-            <a:r>
-              <a:rPr lang="en-US"/>
-              <a:t>level Elements?</a:t>
-            </a:r>
-            <a:endParaRPr lang="en-US" dirty="0"/>
+              <a:t>&lt;html&gt;</a:t>
+            </a:r>
+          </a:p>
+          <a:p>
+            <a:r>
+              <a:rPr lang="en-US" dirty="0"/>
+              <a:t>&lt;head&gt; &lt;title&gt;&lt;/title&gt;</a:t>
+            </a:r>
+          </a:p>
+          <a:p>
+            <a:r>
+              <a:rPr lang="en-US" dirty="0"/>
+              <a:t>&lt;body&gt;</a:t>
+            </a:r>
+          </a:p>
+          <a:p>
+            <a:endParaRPr lang="en-US" dirty="0"/>
+          </a:p>
+          <a:p>
+            <a:endParaRPr lang="en-US" dirty="0"/>
+          </a:p>
+          <a:p>
+            <a:r>
+              <a:rPr lang="en-US" dirty="0">
+                <a:solidFill>
+                  <a:srgbClr val="FFFF00"/>
+                </a:solidFill>
+              </a:rPr>
+              <a:t>ALWAYS </a:t>
+            </a:r>
+            <a:r>
+              <a:rPr lang="en-US" dirty="0" err="1">
+                <a:solidFill>
+                  <a:srgbClr val="FFFF00"/>
+                </a:solidFill>
+              </a:rPr>
+              <a:t>ALWAYS</a:t>
+            </a:r>
+            <a:r>
+              <a:rPr lang="en-US" dirty="0">
+                <a:solidFill>
+                  <a:srgbClr val="FFFF00"/>
+                </a:solidFill>
+              </a:rPr>
+              <a:t> </a:t>
+            </a:r>
+            <a:r>
+              <a:rPr lang="en-US" dirty="0" err="1">
+                <a:solidFill>
+                  <a:srgbClr val="FFFF00"/>
+                </a:solidFill>
+              </a:rPr>
+              <a:t>ALWAYS</a:t>
+            </a:r>
+            <a:r>
+              <a:rPr lang="en-US">
+                <a:solidFill>
+                  <a:srgbClr val="FFFF00"/>
+                </a:solidFill>
+              </a:rPr>
+              <a:t> VALIDATE </a:t>
+            </a:r>
+            <a:r>
+              <a:rPr lang="en-US" dirty="0">
+                <a:solidFill>
+                  <a:srgbClr val="FFFF00"/>
+                </a:solidFill>
+              </a:rPr>
+              <a:t>YOUR ASSIGNMENT BEFORE SUBMITTING…</a:t>
+            </a:r>
+          </a:p>
+          <a:p>
+            <a:r>
+              <a:rPr lang="en-US" dirty="0">
+                <a:solidFill>
+                  <a:srgbClr val="FFFF00"/>
+                </a:solidFill>
+              </a:rPr>
+              <a:t>NO RED ELEMENT/ATTRIBUTE IN YOUR ASSIGNMENT…</a:t>
+            </a:r>
           </a:p>
         </p:txBody>
       </p:sp>
     </p:spTree>
     <p:extLst>
       <p:ext uri="{BB962C8B-B14F-4D97-AF65-F5344CB8AC3E}">
-        <p14:creationId xmlns:p14="http://schemas.microsoft.com/office/powerpoint/2010/main" val="2663477877"/>
+        <p14:creationId xmlns:p14="http://schemas.microsoft.com/office/powerpoint/2010/main" val="3033708408"/>
       </p:ext>
     </p:extLst>
   </p:cSld>
@@ -4236,7 +4447,7 @@
           <p:cNvPr id="2" name="Title 1">
             <a:extLst>
               <a:ext uri="{FF2B5EF4-FFF2-40B4-BE49-F238E27FC236}">
-                <a16:creationId xmlns:a16="http://schemas.microsoft.com/office/drawing/2014/main" id="{013282BF-879C-C087-A8B9-C5C704726571}"/>
+                <a16:creationId xmlns:a16="http://schemas.microsoft.com/office/drawing/2014/main" id="{475250C9-84EB-1F2A-61F2-381B50203B99}"/>
               </a:ext>
             </a:extLst>
           </p:cNvPr>
@@ -4254,7 +4465,30 @@
           <a:p>
             <a:r>
               <a:rPr lang="en-US" dirty="0"/>
-              <a:t>Multimedia</a:t>
+              <a:t>Content Sections – </a:t>
+            </a:r>
+            <a:r>
+              <a:rPr lang="en-US" dirty="0">
+                <a:solidFill>
+                  <a:srgbClr val="FFFF00"/>
+                </a:solidFill>
+              </a:rPr>
+              <a:t>ALWAYS INSIDE &lt;body&gt;</a:t>
+            </a:r>
+            <a:br>
+              <a:rPr lang="en-US" dirty="0">
+                <a:solidFill>
+                  <a:srgbClr val="FFFF00"/>
+                </a:solidFill>
+              </a:rPr>
+            </a:br>
+            <a:r>
+              <a:rPr lang="en-US" dirty="0">
+                <a:solidFill>
+                  <a:srgbClr val="FFFF00"/>
+                </a:solidFill>
+              </a:rPr>
+              <a:t>Semantic Elements</a:t>
             </a:r>
           </a:p>
         </p:txBody>
@@ -4264,7 +4498,7 @@
           <p:cNvPr id="3" name="Content Placeholder 2">
             <a:extLst>
               <a:ext uri="{FF2B5EF4-FFF2-40B4-BE49-F238E27FC236}">
-                <a16:creationId xmlns:a16="http://schemas.microsoft.com/office/drawing/2014/main" id="{9CA7F769-F772-0477-A458-C1FA52EF8936}"/>
+                <a16:creationId xmlns:a16="http://schemas.microsoft.com/office/drawing/2014/main" id="{853BC910-92EE-2EAB-745E-9168A06FFE34}"/>
               </a:ext>
             </a:extLst>
           </p:cNvPr>
@@ -4282,41 +4516,47 @@
           <a:p>
             <a:r>
               <a:rPr lang="en-US" dirty="0"/>
-              <a:t>&lt;</a:t>
+              <a:t>&lt;header&gt; - introductory material at the top of the document.</a:t>
+            </a:r>
+          </a:p>
+          <a:p>
+            <a:r>
+              <a:rPr lang="en-US" dirty="0"/>
+              <a:t>&lt;nav&gt; - content related to </a:t>
             </a:r>
             <a:r>
               <a:rPr lang="en-US" dirty="0" err="1"/>
-              <a:t>img</a:t>
-            </a:r>
-            <a:r>
-              <a:rPr lang="en-US" dirty="0"/>
-              <a:t>&gt;</a:t>
-            </a:r>
-          </a:p>
-          <a:p>
-            <a:r>
-              <a:rPr lang="en-US" dirty="0"/>
-              <a:t>&lt;audio&gt;</a:t>
-            </a:r>
-          </a:p>
-          <a:p>
-            <a:r>
-              <a:rPr lang="en-US" dirty="0"/>
-              <a:t>&lt;video&gt;</a:t>
-            </a:r>
-          </a:p>
-          <a:p>
-            <a:r>
-              <a:rPr lang="en-US" dirty="0"/>
-              <a:t>&lt;canvas&gt; -  graphical area used to draw with either 2D or 3D using </a:t>
+              <a:t>navigation..menu</a:t>
+            </a:r>
+            <a:r>
+              <a:rPr lang="en-US" dirty="0"/>
+              <a:t>, index, links, etc.</a:t>
+            </a:r>
+          </a:p>
+          <a:p>
+            <a:r>
+              <a:rPr lang="en-US" dirty="0"/>
+              <a:t>&lt;main&gt; - the main content of the document.. For example, the main article text that you want to convey…</a:t>
+            </a:r>
+          </a:p>
+          <a:p>
+            <a:r>
+              <a:rPr lang="en-US" dirty="0"/>
+              <a:t>&lt;h1&gt;,… &lt;/h6&gt; Headers of the content sections</a:t>
+            </a:r>
+          </a:p>
+          <a:p>
+            <a:r>
+              <a:rPr lang="en-US" dirty="0"/>
+              <a:t>&lt;footer&gt;… end material….(author, copyright </a:t>
             </a:r>
             <a:r>
               <a:rPr lang="en-US" dirty="0" err="1"/>
-              <a:t>javascript</a:t>
-            </a:r>
-            <a:r>
-              <a:rPr lang="en-US" dirty="0"/>
-              <a:t>..</a:t>
+              <a:t>etc</a:t>
+            </a:r>
+            <a:r>
+              <a:rPr lang="en-US" dirty="0"/>
+              <a:t>)</a:t>
             </a:r>
           </a:p>
         </p:txBody>
@@ -4324,7 +4564,7 @@
     </p:spTree>
     <p:extLst>
       <p:ext uri="{BB962C8B-B14F-4D97-AF65-F5344CB8AC3E}">
-        <p14:creationId xmlns:p14="http://schemas.microsoft.com/office/powerpoint/2010/main" val="3097499891"/>
+        <p14:creationId xmlns:p14="http://schemas.microsoft.com/office/powerpoint/2010/main" val="2348583534"/>
       </p:ext>
     </p:extLst>
   </p:cSld>
@@ -4484,6 +4724,384 @@
     <p:extLst>
       <p:ext uri="{BB962C8B-B14F-4D97-AF65-F5344CB8AC3E}">
         <p14:creationId xmlns:p14="http://schemas.microsoft.com/office/powerpoint/2010/main" val="3911012905"/>
+      </p:ext>
+    </p:extLst>
+  </p:cSld>
+  <p:clrMapOvr>
+    <a:masterClrMapping/>
+  </p:clrMapOvr>
+</p:sld>
+</file>
+
+<file path=ppt/slides/slide20.xml><?xml version="1.0" encoding="utf-8"?>
+<p:sld xmlns:a="http://schemas.openxmlformats.org/drawingml/2006/main" xmlns:r="http://schemas.openxmlformats.org/officeDocument/2006/relationships" xmlns:p="http://schemas.openxmlformats.org/presentationml/2006/main">
+  <p:cSld>
+    <p:spTree>
+      <p:nvGrpSpPr>
+        <p:cNvPr id="1" name=""/>
+        <p:cNvGrpSpPr/>
+        <p:nvPr/>
+      </p:nvGrpSpPr>
+      <p:grpSpPr>
+        <a:xfrm>
+          <a:off x="0" y="0"/>
+          <a:ext cx="0" cy="0"/>
+          <a:chOff x="0" y="0"/>
+          <a:chExt cx="0" cy="0"/>
+        </a:xfrm>
+      </p:grpSpPr>
+      <p:sp>
+        <p:nvSpPr>
+          <p:cNvPr id="2" name="Title 1">
+            <a:extLst>
+              <a:ext uri="{FF2B5EF4-FFF2-40B4-BE49-F238E27FC236}">
+                <a16:creationId xmlns:a16="http://schemas.microsoft.com/office/drawing/2014/main" id="{52889EA0-60FB-22A5-8D53-5F77B1716188}"/>
+              </a:ext>
+            </a:extLst>
+          </p:cNvPr>
+          <p:cNvSpPr>
+            <a:spLocks noGrp="1"/>
+          </p:cNvSpPr>
+          <p:nvPr>
+            <p:ph type="title"/>
+          </p:nvPr>
+        </p:nvSpPr>
+        <p:spPr/>
+        <p:txBody>
+          <a:bodyPr/>
+          <a:lstStyle/>
+          <a:p>
+            <a:r>
+              <a:rPr lang="en-US" dirty="0"/>
+              <a:t>Text content</a:t>
+            </a:r>
+          </a:p>
+        </p:txBody>
+      </p:sp>
+      <p:sp>
+        <p:nvSpPr>
+          <p:cNvPr id="3" name="Content Placeholder 2">
+            <a:extLst>
+              <a:ext uri="{FF2B5EF4-FFF2-40B4-BE49-F238E27FC236}">
+                <a16:creationId xmlns:a16="http://schemas.microsoft.com/office/drawing/2014/main" id="{DFB1A687-BB88-919A-0985-1D38762E743B}"/>
+              </a:ext>
+            </a:extLst>
+          </p:cNvPr>
+          <p:cNvSpPr>
+            <a:spLocks noGrp="1"/>
+          </p:cNvSpPr>
+          <p:nvPr>
+            <p:ph idx="1"/>
+          </p:nvPr>
+        </p:nvSpPr>
+        <p:spPr/>
+        <p:txBody>
+          <a:bodyPr/>
+          <a:lstStyle/>
+          <a:p>
+            <a:r>
+              <a:rPr lang="en-US" dirty="0"/>
+              <a:t>&lt;div&gt;.. A generic container we use to attach style or script…</a:t>
+            </a:r>
+          </a:p>
+          <a:p>
+            <a:r>
+              <a:rPr lang="en-US" dirty="0"/>
+              <a:t>&lt;</a:t>
+            </a:r>
+            <a:r>
+              <a:rPr lang="en-US" dirty="0" err="1"/>
+              <a:t>ol</a:t>
+            </a:r>
+            <a:r>
+              <a:rPr lang="en-US" dirty="0"/>
+              <a:t>&gt;.. Ordered list</a:t>
+            </a:r>
+          </a:p>
+          <a:p>
+            <a:r>
+              <a:rPr lang="en-US" dirty="0"/>
+              <a:t>&lt;</a:t>
+            </a:r>
+            <a:r>
+              <a:rPr lang="en-US" dirty="0" err="1"/>
+              <a:t>ul</a:t>
+            </a:r>
+            <a:r>
+              <a:rPr lang="en-US" dirty="0"/>
+              <a:t>&gt;.. Unordered list</a:t>
+            </a:r>
+          </a:p>
+          <a:p>
+            <a:r>
+              <a:rPr lang="en-US" dirty="0"/>
+              <a:t>&lt;li&gt;… List item</a:t>
+            </a:r>
+          </a:p>
+          <a:p>
+            <a:r>
+              <a:rPr lang="en-US" dirty="0"/>
+              <a:t>&lt;p&gt;… a paragraph</a:t>
+            </a:r>
+          </a:p>
+          <a:p>
+            <a:r>
+              <a:rPr lang="en-US" dirty="0"/>
+              <a:t>&lt;blockquote&gt;</a:t>
+            </a:r>
+          </a:p>
+        </p:txBody>
+      </p:sp>
+    </p:spTree>
+    <p:extLst>
+      <p:ext uri="{BB962C8B-B14F-4D97-AF65-F5344CB8AC3E}">
+        <p14:creationId xmlns:p14="http://schemas.microsoft.com/office/powerpoint/2010/main" val="2103399808"/>
+      </p:ext>
+    </p:extLst>
+  </p:cSld>
+  <p:clrMapOvr>
+    <a:masterClrMapping/>
+  </p:clrMapOvr>
+</p:sld>
+</file>
+
+<file path=ppt/slides/slide21.xml><?xml version="1.0" encoding="utf-8"?>
+<p:sld xmlns:a="http://schemas.openxmlformats.org/drawingml/2006/main" xmlns:r="http://schemas.openxmlformats.org/officeDocument/2006/relationships" xmlns:p="http://schemas.openxmlformats.org/presentationml/2006/main">
+  <p:cSld>
+    <p:spTree>
+      <p:nvGrpSpPr>
+        <p:cNvPr id="1" name=""/>
+        <p:cNvGrpSpPr/>
+        <p:nvPr/>
+      </p:nvGrpSpPr>
+      <p:grpSpPr>
+        <a:xfrm>
+          <a:off x="0" y="0"/>
+          <a:ext cx="0" cy="0"/>
+          <a:chOff x="0" y="0"/>
+          <a:chExt cx="0" cy="0"/>
+        </a:xfrm>
+      </p:grpSpPr>
+      <p:sp>
+        <p:nvSpPr>
+          <p:cNvPr id="2" name="Title 1">
+            <a:extLst>
+              <a:ext uri="{FF2B5EF4-FFF2-40B4-BE49-F238E27FC236}">
+                <a16:creationId xmlns:a16="http://schemas.microsoft.com/office/drawing/2014/main" id="{9ADF8013-9734-499A-E6A8-BA4F465896EA}"/>
+              </a:ext>
+            </a:extLst>
+          </p:cNvPr>
+          <p:cNvSpPr>
+            <a:spLocks noGrp="1"/>
+          </p:cNvSpPr>
+          <p:nvPr>
+            <p:ph type="title"/>
+          </p:nvPr>
+        </p:nvSpPr>
+        <p:spPr/>
+        <p:txBody>
+          <a:bodyPr/>
+          <a:lstStyle/>
+          <a:p>
+            <a:r>
+              <a:rPr lang="en-US" dirty="0"/>
+              <a:t>Inline Text:</a:t>
+            </a:r>
+          </a:p>
+        </p:txBody>
+      </p:sp>
+      <p:sp>
+        <p:nvSpPr>
+          <p:cNvPr id="3" name="Content Placeholder 2">
+            <a:extLst>
+              <a:ext uri="{FF2B5EF4-FFF2-40B4-BE49-F238E27FC236}">
+                <a16:creationId xmlns:a16="http://schemas.microsoft.com/office/drawing/2014/main" id="{640BD225-66E7-F68A-099C-215CFDFA4D7B}"/>
+              </a:ext>
+            </a:extLst>
+          </p:cNvPr>
+          <p:cNvSpPr>
+            <a:spLocks noGrp="1"/>
+          </p:cNvSpPr>
+          <p:nvPr>
+            <p:ph idx="1"/>
+          </p:nvPr>
+        </p:nvSpPr>
+        <p:spPr/>
+        <p:txBody>
+          <a:bodyPr/>
+          <a:lstStyle/>
+          <a:p>
+            <a:r>
+              <a:rPr lang="en-US" dirty="0"/>
+              <a:t>&lt;a&gt;.. Anchor is used to make links… allows user to navigate…</a:t>
+            </a:r>
+          </a:p>
+          <a:p>
+            <a:r>
+              <a:rPr lang="en-US" dirty="0"/>
+              <a:t>&lt;code&gt;… formats the text as computer code…</a:t>
+            </a:r>
+          </a:p>
+          <a:p>
+            <a:r>
+              <a:rPr lang="en-US" dirty="0"/>
+              <a:t>&lt;</a:t>
+            </a:r>
+            <a:r>
+              <a:rPr lang="en-US" dirty="0" err="1"/>
+              <a:t>em</a:t>
+            </a:r>
+            <a:r>
+              <a:rPr lang="en-US" dirty="0"/>
+              <a:t>&gt; - adds emphasis…(like italic)</a:t>
+            </a:r>
+          </a:p>
+          <a:p>
+            <a:r>
+              <a:rPr lang="en-US" dirty="0"/>
+              <a:t>&lt;span&gt; generic containers</a:t>
+            </a:r>
+          </a:p>
+          <a:p>
+            <a:endParaRPr lang="en-US" dirty="0"/>
+          </a:p>
+          <a:p>
+            <a:r>
+              <a:rPr lang="en-US" dirty="0"/>
+              <a:t>Inline and Block </a:t>
+            </a:r>
+            <a:r>
+              <a:rPr lang="en-US"/>
+              <a:t>level Elements?</a:t>
+            </a:r>
+            <a:endParaRPr lang="en-US" dirty="0"/>
+          </a:p>
+        </p:txBody>
+      </p:sp>
+    </p:spTree>
+    <p:extLst>
+      <p:ext uri="{BB962C8B-B14F-4D97-AF65-F5344CB8AC3E}">
+        <p14:creationId xmlns:p14="http://schemas.microsoft.com/office/powerpoint/2010/main" val="2663477877"/>
+      </p:ext>
+    </p:extLst>
+  </p:cSld>
+  <p:clrMapOvr>
+    <a:masterClrMapping/>
+  </p:clrMapOvr>
+</p:sld>
+</file>
+
+<file path=ppt/slides/slide22.xml><?xml version="1.0" encoding="utf-8"?>
+<p:sld xmlns:a="http://schemas.openxmlformats.org/drawingml/2006/main" xmlns:r="http://schemas.openxmlformats.org/officeDocument/2006/relationships" xmlns:p="http://schemas.openxmlformats.org/presentationml/2006/main">
+  <p:cSld>
+    <p:spTree>
+      <p:nvGrpSpPr>
+        <p:cNvPr id="1" name=""/>
+        <p:cNvGrpSpPr/>
+        <p:nvPr/>
+      </p:nvGrpSpPr>
+      <p:grpSpPr>
+        <a:xfrm>
+          <a:off x="0" y="0"/>
+          <a:ext cx="0" cy="0"/>
+          <a:chOff x="0" y="0"/>
+          <a:chExt cx="0" cy="0"/>
+        </a:xfrm>
+      </p:grpSpPr>
+      <p:sp>
+        <p:nvSpPr>
+          <p:cNvPr id="2" name="Title 1">
+            <a:extLst>
+              <a:ext uri="{FF2B5EF4-FFF2-40B4-BE49-F238E27FC236}">
+                <a16:creationId xmlns:a16="http://schemas.microsoft.com/office/drawing/2014/main" id="{013282BF-879C-C087-A8B9-C5C704726571}"/>
+              </a:ext>
+            </a:extLst>
+          </p:cNvPr>
+          <p:cNvSpPr>
+            <a:spLocks noGrp="1"/>
+          </p:cNvSpPr>
+          <p:nvPr>
+            <p:ph type="title"/>
+          </p:nvPr>
+        </p:nvSpPr>
+        <p:spPr/>
+        <p:txBody>
+          <a:bodyPr/>
+          <a:lstStyle/>
+          <a:p>
+            <a:r>
+              <a:rPr lang="en-US" dirty="0"/>
+              <a:t>Multimedia</a:t>
+            </a:r>
+          </a:p>
+        </p:txBody>
+      </p:sp>
+      <p:sp>
+        <p:nvSpPr>
+          <p:cNvPr id="3" name="Content Placeholder 2">
+            <a:extLst>
+              <a:ext uri="{FF2B5EF4-FFF2-40B4-BE49-F238E27FC236}">
+                <a16:creationId xmlns:a16="http://schemas.microsoft.com/office/drawing/2014/main" id="{9CA7F769-F772-0477-A458-C1FA52EF8936}"/>
+              </a:ext>
+            </a:extLst>
+          </p:cNvPr>
+          <p:cNvSpPr>
+            <a:spLocks noGrp="1"/>
+          </p:cNvSpPr>
+          <p:nvPr>
+            <p:ph idx="1"/>
+          </p:nvPr>
+        </p:nvSpPr>
+        <p:spPr/>
+        <p:txBody>
+          <a:bodyPr/>
+          <a:lstStyle/>
+          <a:p>
+            <a:r>
+              <a:rPr lang="en-US" dirty="0"/>
+              <a:t>&lt;</a:t>
+            </a:r>
+            <a:r>
+              <a:rPr lang="en-US" dirty="0" err="1"/>
+              <a:t>img</a:t>
+            </a:r>
+            <a:r>
+              <a:rPr lang="en-US" dirty="0"/>
+              <a:t>&gt;</a:t>
+            </a:r>
+          </a:p>
+          <a:p>
+            <a:r>
+              <a:rPr lang="en-US" dirty="0"/>
+              <a:t>&lt;audio&gt;</a:t>
+            </a:r>
+          </a:p>
+          <a:p>
+            <a:r>
+              <a:rPr lang="en-US" dirty="0"/>
+              <a:t>&lt;video&gt;</a:t>
+            </a:r>
+          </a:p>
+          <a:p>
+            <a:r>
+              <a:rPr lang="en-US" dirty="0"/>
+              <a:t>&lt;canvas&gt; -  graphical area used to draw with either 2D or 3D using </a:t>
+            </a:r>
+            <a:r>
+              <a:rPr lang="en-US" dirty="0" err="1"/>
+              <a:t>javascript</a:t>
+            </a:r>
+            <a:r>
+              <a:rPr lang="en-US" dirty="0"/>
+              <a:t>..</a:t>
+            </a:r>
+          </a:p>
+        </p:txBody>
+      </p:sp>
+    </p:spTree>
+    <p:extLst>
+      <p:ext uri="{BB962C8B-B14F-4D97-AF65-F5344CB8AC3E}">
+        <p14:creationId xmlns:p14="http://schemas.microsoft.com/office/powerpoint/2010/main" val="3097499891"/>
       </p:ext>
     </p:extLst>
   </p:cSld>
@@ -5284,13 +5902,8 @@
           <a:p>
             <a:r>
               <a:rPr lang="en-US" dirty="0"/>
-              <a:t>Web uses internet as a backbone to transmit data from one side to other and vise versa. (Stopping on this </a:t>
-            </a:r>
-            <a:r>
-              <a:rPr lang="en-US"/>
-              <a:t>on January 6)</a:t>
-            </a:r>
-            <a:endParaRPr lang="en-US" dirty="0"/>
+              <a:t>Web uses internet as a backbone to transmit data from one side to other and vise versa. </a:t>
+            </a:r>
           </a:p>
         </p:txBody>
       </p:sp>

--- a/FrontEnd/Week1/Week 1.pptx
+++ b/FrontEnd/Week1/Week 1.pptx
@@ -264,7 +264,7 @@
           <a:p>
             <a:fld id="{F28A4246-F2A7-4220-A405-8A96DAE08D6A}" type="datetimeFigureOut">
               <a:rPr lang="en-US" smtClean="0"/>
-              <a:t>1/8/2026</a:t>
+              <a:t>1/14/2026</a:t>
             </a:fld>
             <a:endParaRPr lang="en-US"/>
           </a:p>
@@ -434,7 +434,7 @@
           <a:p>
             <a:fld id="{F28A4246-F2A7-4220-A405-8A96DAE08D6A}" type="datetimeFigureOut">
               <a:rPr lang="en-US" smtClean="0"/>
-              <a:t>1/8/2026</a:t>
+              <a:t>1/14/2026</a:t>
             </a:fld>
             <a:endParaRPr lang="en-US"/>
           </a:p>
@@ -614,7 +614,7 @@
           <a:p>
             <a:fld id="{F28A4246-F2A7-4220-A405-8A96DAE08D6A}" type="datetimeFigureOut">
               <a:rPr lang="en-US" smtClean="0"/>
-              <a:t>1/8/2026</a:t>
+              <a:t>1/14/2026</a:t>
             </a:fld>
             <a:endParaRPr lang="en-US"/>
           </a:p>
@@ -784,7 +784,7 @@
           <a:p>
             <a:fld id="{F28A4246-F2A7-4220-A405-8A96DAE08D6A}" type="datetimeFigureOut">
               <a:rPr lang="en-US" smtClean="0"/>
-              <a:t>1/8/2026</a:t>
+              <a:t>1/14/2026</a:t>
             </a:fld>
             <a:endParaRPr lang="en-US"/>
           </a:p>
@@ -1030,7 +1030,7 @@
           <a:p>
             <a:fld id="{F28A4246-F2A7-4220-A405-8A96DAE08D6A}" type="datetimeFigureOut">
               <a:rPr lang="en-US" smtClean="0"/>
-              <a:t>1/8/2026</a:t>
+              <a:t>1/14/2026</a:t>
             </a:fld>
             <a:endParaRPr lang="en-US"/>
           </a:p>
@@ -1262,7 +1262,7 @@
           <a:p>
             <a:fld id="{F28A4246-F2A7-4220-A405-8A96DAE08D6A}" type="datetimeFigureOut">
               <a:rPr lang="en-US" smtClean="0"/>
-              <a:t>1/8/2026</a:t>
+              <a:t>1/14/2026</a:t>
             </a:fld>
             <a:endParaRPr lang="en-US"/>
           </a:p>
@@ -1629,7 +1629,7 @@
           <a:p>
             <a:fld id="{F28A4246-F2A7-4220-A405-8A96DAE08D6A}" type="datetimeFigureOut">
               <a:rPr lang="en-US" smtClean="0"/>
-              <a:t>1/8/2026</a:t>
+              <a:t>1/14/2026</a:t>
             </a:fld>
             <a:endParaRPr lang="en-US"/>
           </a:p>
@@ -1747,7 +1747,7 @@
           <a:p>
             <a:fld id="{F28A4246-F2A7-4220-A405-8A96DAE08D6A}" type="datetimeFigureOut">
               <a:rPr lang="en-US" smtClean="0"/>
-              <a:t>1/8/2026</a:t>
+              <a:t>1/14/2026</a:t>
             </a:fld>
             <a:endParaRPr lang="en-US"/>
           </a:p>
@@ -1842,7 +1842,7 @@
           <a:p>
             <a:fld id="{F28A4246-F2A7-4220-A405-8A96DAE08D6A}" type="datetimeFigureOut">
               <a:rPr lang="en-US" smtClean="0"/>
-              <a:t>1/8/2026</a:t>
+              <a:t>1/14/2026</a:t>
             </a:fld>
             <a:endParaRPr lang="en-US"/>
           </a:p>
@@ -2119,7 +2119,7 @@
           <a:p>
             <a:fld id="{F28A4246-F2A7-4220-A405-8A96DAE08D6A}" type="datetimeFigureOut">
               <a:rPr lang="en-US" smtClean="0"/>
-              <a:t>1/8/2026</a:t>
+              <a:t>1/14/2026</a:t>
             </a:fld>
             <a:endParaRPr lang="en-US"/>
           </a:p>
@@ -2376,7 +2376,7 @@
           <a:p>
             <a:fld id="{F28A4246-F2A7-4220-A405-8A96DAE08D6A}" type="datetimeFigureOut">
               <a:rPr lang="en-US" smtClean="0"/>
-              <a:t>1/8/2026</a:t>
+              <a:t>1/14/2026</a:t>
             </a:fld>
             <a:endParaRPr lang="en-US"/>
           </a:p>
@@ -2589,7 +2589,7 @@
           <a:p>
             <a:fld id="{F28A4246-F2A7-4220-A405-8A96DAE08D6A}" type="datetimeFigureOut">
               <a:rPr lang="en-US" smtClean="0"/>
-              <a:t>1/8/2026</a:t>
+              <a:t>1/14/2026</a:t>
             </a:fld>
             <a:endParaRPr lang="en-US"/>
           </a:p>
@@ -4324,24 +4324,31 @@
         </p:nvSpPr>
         <p:spPr/>
         <p:txBody>
-          <a:bodyPr/>
-          <a:lstStyle/>
-          <a:p>
-            <a:r>
-              <a:rPr lang="en-US" dirty="0"/>
-              <a:t>&lt;html&gt;</a:t>
-            </a:r>
-          </a:p>
-          <a:p>
-            <a:r>
-              <a:rPr lang="en-US" dirty="0"/>
-              <a:t>&lt;head&gt; &lt;title&gt;&lt;/title&gt;</a:t>
-            </a:r>
-          </a:p>
-          <a:p>
-            <a:r>
-              <a:rPr lang="en-US" dirty="0"/>
-              <a:t>&lt;body&gt;</a:t>
+          <a:bodyPr>
+            <a:normAutofit lnSpcReduction="10000"/>
+          </a:bodyPr>
+          <a:lstStyle/>
+          <a:p>
+            <a:r>
+              <a:rPr lang="en-US" dirty="0"/>
+              <a:t>&lt;html&gt; : All the webpage should be inside &lt;html</a:t>
+            </a:r>
+            <a:r>
+              <a:rPr lang="en-US"/>
+              <a:t>&gt; element.</a:t>
+            </a:r>
+            <a:endParaRPr lang="en-US" dirty="0"/>
+          </a:p>
+          <a:p>
+            <a:r>
+              <a:rPr lang="en-US" dirty="0"/>
+              <a:t>&lt;head&gt; &lt;title&gt;&lt;/title&gt; // &lt;head&gt; is always interpreted/executed  first!</a:t>
+            </a:r>
+          </a:p>
+          <a:p>
+            <a:r>
+              <a:rPr lang="en-US" dirty="0"/>
+              <a:t>&lt;body&gt; Whatever you want to show on web page comes inside body element.</a:t>
             </a:r>
           </a:p>
           <a:p>
@@ -4384,20 +4391,12 @@
               <a:t>ALWAYS</a:t>
             </a:r>
             <a:r>
-              <a:rPr lang="en-US">
-                <a:solidFill>
-                  <a:srgbClr val="FFFF00"/>
-                </a:solidFill>
-              </a:rPr>
-              <a:t> VALIDATE </a:t>
-            </a:r>
-            <a:r>
               <a:rPr lang="en-US" dirty="0">
                 <a:solidFill>
                   <a:srgbClr val="FFFF00"/>
                 </a:solidFill>
               </a:rPr>
-              <a:t>YOUR ASSIGNMENT BEFORE SUBMITTING…</a:t>
+              <a:t> VALIDATE YOUR ASSIGNMENT BEFORE SUBMITTING…</a:t>
             </a:r>
           </a:p>
           <a:p>

--- a/FrontEnd/Week1/Week 1.pptx
+++ b/FrontEnd/Week1/Week 1.pptx
@@ -4331,13 +4331,8 @@
           <a:p>
             <a:r>
               <a:rPr lang="en-US" dirty="0"/>
-              <a:t>&lt;html&gt; : All the webpage should be inside &lt;html</a:t>
-            </a:r>
-            <a:r>
-              <a:rPr lang="en-US"/>
-              <a:t>&gt; element.</a:t>
-            </a:r>
-            <a:endParaRPr lang="en-US" dirty="0"/>
+              <a:t>&lt;html&gt; : All the webpage should be inside &lt;html&gt; element.</a:t>
+            </a:r>
           </a:p>
           <a:p>
             <a:r>
@@ -4469,25 +4464,25 @@
             <a:r>
               <a:rPr lang="en-US" dirty="0">
                 <a:solidFill>
-                  <a:srgbClr val="FFFF00"/>
+                  <a:srgbClr val="FF0000"/>
                 </a:solidFill>
               </a:rPr>
               <a:t>ALWAYS INSIDE &lt;body&gt;</a:t>
             </a:r>
             <a:br>
+              <a:rPr lang="en-US" dirty="0">
+                <a:solidFill>
+                  <a:srgbClr val="FF0000"/>
+                </a:solidFill>
+              </a:rPr>
+            </a:br>
+            <a:r>
               <a:rPr lang="en-US" dirty="0">
                 <a:solidFill>
                   <a:srgbClr val="FFFF00"/>
                 </a:solidFill>
               </a:rPr>
-            </a:br>
-            <a:r>
-              <a:rPr lang="en-US" dirty="0">
-                <a:solidFill>
-                  <a:srgbClr val="FFFF00"/>
-                </a:solidFill>
-              </a:rPr>
-              <a:t>Semantic Elements</a:t>
+              <a:t>Semantic Elements – self explanatory</a:t>
             </a:r>
           </a:p>
         </p:txBody>
